--- a/MachineLearning/DecisionTree/DecisionTree.pptx
+++ b/MachineLearning/DecisionTree/DecisionTree.pptx
@@ -5,7 +5,7 @@
     <p:sldMasterId id="2147483648" r:id="rId1"/>
   </p:sldMasterIdLst>
   <p:notesMasterIdLst>
-    <p:notesMasterId r:id="rId15"/>
+    <p:notesMasterId r:id="rId16"/>
   </p:notesMasterIdLst>
   <p:sldIdLst>
     <p:sldId id="256" r:id="rId2"/>
@@ -16,11 +16,12 @@
     <p:sldId id="277" r:id="rId7"/>
     <p:sldId id="278" r:id="rId8"/>
     <p:sldId id="279" r:id="rId9"/>
-    <p:sldId id="280" r:id="rId10"/>
-    <p:sldId id="281" r:id="rId11"/>
-    <p:sldId id="271" r:id="rId12"/>
-    <p:sldId id="273" r:id="rId13"/>
-    <p:sldId id="269" r:id="rId14"/>
+    <p:sldId id="282" r:id="rId10"/>
+    <p:sldId id="280" r:id="rId11"/>
+    <p:sldId id="281" r:id="rId12"/>
+    <p:sldId id="271" r:id="rId13"/>
+    <p:sldId id="273" r:id="rId14"/>
+    <p:sldId id="269" r:id="rId15"/>
   </p:sldIdLst>
   <p:sldSz cx="9144000" cy="6858000" type="screen4x3"/>
   <p:notesSz cx="6858000" cy="9144000"/>
@@ -3536,6 +3537,138 @@
           <a:lstStyle/>
           <a:p>
             <a:r>
+              <a:rPr lang="en-US" dirty="0" smtClean="0"/>
+              <a:t>Information Gain</a:t>
+            </a:r>
+            <a:endParaRPr lang="en-US" dirty="0"/>
+          </a:p>
+        </p:txBody>
+      </p:sp>
+      <p:sp>
+        <p:nvSpPr>
+          <p:cNvPr id="4" name="Content Placeholder 3"/>
+          <p:cNvSpPr>
+            <a:spLocks noGrp="1"/>
+          </p:cNvSpPr>
+          <p:nvPr>
+            <p:ph idx="1"/>
+          </p:nvPr>
+        </p:nvSpPr>
+        <p:spPr/>
+        <p:txBody>
+          <a:bodyPr>
+            <a:normAutofit/>
+          </a:bodyPr>
+          <a:lstStyle/>
+          <a:p>
+            <a:r>
+              <a:rPr lang="en-US" dirty="0" smtClean="0"/>
+              <a:t>Maximize information gain</a:t>
+            </a:r>
+          </a:p>
+          <a:p>
+            <a:r>
+              <a:rPr lang="en-US" dirty="0" smtClean="0"/>
+              <a:t>Information gain</a:t>
+            </a:r>
+          </a:p>
+          <a:p>
+            <a:r>
+              <a:rPr lang="en-US" dirty="0" smtClean="0"/>
+              <a:t>Entropy</a:t>
+            </a:r>
+          </a:p>
+          <a:p>
+            <a:r>
+              <a:rPr lang="en-US" dirty="0" smtClean="0"/>
+              <a:t>Parent entropy</a:t>
+            </a:r>
+          </a:p>
+          <a:p>
+            <a:r>
+              <a:rPr lang="en-US" dirty="0" smtClean="0"/>
+              <a:t>Weighted child entropy</a:t>
+            </a:r>
+          </a:p>
+          <a:p>
+            <a:r>
+              <a:rPr lang="en-US" dirty="0" smtClean="0"/>
+              <a:t>Weight – Relative size</a:t>
+            </a:r>
+          </a:p>
+          <a:p>
+            <a:endParaRPr lang="en-US" dirty="0"/>
+          </a:p>
+        </p:txBody>
+      </p:sp>
+      <p:graphicFrame>
+        <p:nvGraphicFramePr>
+          <p:cNvPr id="7" name="Object 6"/>
+          <p:cNvGraphicFramePr>
+            <a:graphicFrameLocks noChangeAspect="1"/>
+          </p:cNvGraphicFramePr>
+          <p:nvPr/>
+        </p:nvGraphicFramePr>
+        <p:xfrm>
+          <a:off x="5181600" y="3302000"/>
+          <a:ext cx="3741738" cy="3403600"/>
+        </p:xfrm>
+        <a:graphic>
+          <a:graphicData uri="http://schemas.openxmlformats.org/presentationml/2006/ole">
+            <p:oleObj spid="_x0000_s24578" name="Equation" r:id="rId3" imgW="2209680" imgH="2006280" progId="Equation.3">
+              <p:embed/>
+            </p:oleObj>
+          </a:graphicData>
+        </a:graphic>
+      </p:graphicFrame>
+    </p:spTree>
+  </p:cSld>
+  <p:clrMapOvr>
+    <a:masterClrMapping/>
+  </p:clrMapOvr>
+  <p:timing>
+    <p:tnLst>
+      <p:par>
+        <p:cTn id="1" dur="indefinite" restart="never" nodeType="tmRoot"/>
+      </p:par>
+    </p:tnLst>
+  </p:timing>
+</p:sld>
+</file>
+
+<file path=ppt/slides/slide11.xml><?xml version="1.0" encoding="utf-8"?>
+<p:sld xmlns:a="http://schemas.openxmlformats.org/drawingml/2006/main" xmlns:r="http://schemas.openxmlformats.org/officeDocument/2006/relationships" xmlns:p="http://schemas.openxmlformats.org/presentationml/2006/main">
+  <p:cSld>
+    <p:spTree>
+      <p:nvGrpSpPr>
+        <p:cNvPr id="1" name=""/>
+        <p:cNvGrpSpPr/>
+        <p:nvPr/>
+      </p:nvGrpSpPr>
+      <p:grpSpPr>
+        <a:xfrm>
+          <a:off x="0" y="0"/>
+          <a:ext cx="0" cy="0"/>
+          <a:chOff x="0" y="0"/>
+          <a:chExt cx="0" cy="0"/>
+        </a:xfrm>
+      </p:grpSpPr>
+      <p:sp>
+        <p:nvSpPr>
+          <p:cNvPr id="2" name="Title 1"/>
+          <p:cNvSpPr>
+            <a:spLocks noGrp="1"/>
+          </p:cNvSpPr>
+          <p:nvPr>
+            <p:ph type="title"/>
+          </p:nvPr>
+        </p:nvSpPr>
+        <p:spPr/>
+        <p:txBody>
+          <a:bodyPr/>
+          <a:lstStyle/>
+          <a:p>
+            <a:r>
               <a:rPr lang="en-US" dirty="0" err="1" smtClean="0"/>
               <a:t>Gini</a:t>
             </a:r>
@@ -3672,111 +3805,6 @@
 </p:sld>
 </file>
 
-<file path=ppt/slides/slide11.xml><?xml version="1.0" encoding="utf-8"?>
-<p:sld xmlns:a="http://schemas.openxmlformats.org/drawingml/2006/main" xmlns:r="http://schemas.openxmlformats.org/officeDocument/2006/relationships" xmlns:p="http://schemas.openxmlformats.org/presentationml/2006/main">
-  <p:cSld>
-    <p:spTree>
-      <p:nvGrpSpPr>
-        <p:cNvPr id="1" name=""/>
-        <p:cNvGrpSpPr/>
-        <p:nvPr/>
-      </p:nvGrpSpPr>
-      <p:grpSpPr>
-        <a:xfrm>
-          <a:off x="0" y="0"/>
-          <a:ext cx="0" cy="0"/>
-          <a:chOff x="0" y="0"/>
-          <a:chExt cx="0" cy="0"/>
-        </a:xfrm>
-      </p:grpSpPr>
-      <p:sp>
-        <p:nvSpPr>
-          <p:cNvPr id="2" name="Title 1"/>
-          <p:cNvSpPr>
-            <a:spLocks noGrp="1"/>
-          </p:cNvSpPr>
-          <p:nvPr>
-            <p:ph type="title"/>
-          </p:nvPr>
-        </p:nvSpPr>
-        <p:spPr/>
-        <p:txBody>
-          <a:bodyPr/>
-          <a:lstStyle/>
-          <a:p>
-            <a:r>
-              <a:rPr lang="en-US" dirty="0" smtClean="0"/>
-              <a:t>Advantages</a:t>
-            </a:r>
-            <a:endParaRPr lang="en-US" dirty="0"/>
-          </a:p>
-        </p:txBody>
-      </p:sp>
-      <p:sp>
-        <p:nvSpPr>
-          <p:cNvPr id="4" name="Content Placeholder 3"/>
-          <p:cNvSpPr>
-            <a:spLocks noGrp="1"/>
-          </p:cNvSpPr>
-          <p:nvPr>
-            <p:ph idx="1"/>
-          </p:nvPr>
-        </p:nvSpPr>
-        <p:spPr/>
-        <p:txBody>
-          <a:bodyPr/>
-          <a:lstStyle/>
-          <a:p>
-            <a:r>
-              <a:rPr lang="en-US" dirty="0" smtClean="0"/>
-              <a:t>Generate understandable rules</a:t>
-            </a:r>
-          </a:p>
-          <a:p>
-            <a:r>
-              <a:rPr lang="en-US" dirty="0" smtClean="0"/>
-              <a:t>Interpretable AI</a:t>
-            </a:r>
-          </a:p>
-          <a:p>
-            <a:r>
-              <a:rPr lang="en-IN" dirty="0" smtClean="0"/>
-              <a:t>Classification with less computation</a:t>
-            </a:r>
-          </a:p>
-          <a:p>
-            <a:r>
-              <a:rPr lang="en-IN" dirty="0" smtClean="0"/>
-              <a:t>Handle continuous and categorical variables</a:t>
-            </a:r>
-          </a:p>
-          <a:p>
-            <a:r>
-              <a:rPr lang="en-IN" dirty="0" smtClean="0"/>
-              <a:t>Indicate feature importance</a:t>
-            </a:r>
-            <a:endParaRPr lang="en-US" dirty="0" smtClean="0"/>
-          </a:p>
-          <a:p>
-            <a:endParaRPr lang="en-US" dirty="0"/>
-          </a:p>
-        </p:txBody>
-      </p:sp>
-    </p:spTree>
-  </p:cSld>
-  <p:clrMapOvr>
-    <a:masterClrMapping/>
-  </p:clrMapOvr>
-  <p:timing>
-    <p:tnLst>
-      <p:par>
-        <p:cTn id="1" dur="indefinite" restart="never" nodeType="tmRoot"/>
-      </p:par>
-    </p:tnLst>
-  </p:timing>
-</p:sld>
-</file>
-
 <file path=ppt/slides/slide12.xml><?xml version="1.0" encoding="utf-8"?>
 <p:sld xmlns:a="http://schemas.openxmlformats.org/drawingml/2006/main" xmlns:r="http://schemas.openxmlformats.org/officeDocument/2006/relationships" xmlns:p="http://schemas.openxmlformats.org/presentationml/2006/main">
   <p:cSld>
@@ -3811,7 +3839,7 @@
           <a:p>
             <a:r>
               <a:rPr lang="en-US" dirty="0" smtClean="0"/>
-              <a:t>Disadvantages</a:t>
+              <a:t>Advantages</a:t>
             </a:r>
             <a:endParaRPr lang="en-US" dirty="0"/>
           </a:p>
@@ -3834,26 +3862,33 @@
           <a:p>
             <a:r>
               <a:rPr lang="en-US" dirty="0" smtClean="0"/>
-              <a:t>Less appropriate for regression task</a:t>
-            </a:r>
-          </a:p>
-          <a:p>
-            <a:r>
-              <a:rPr lang="en-US" dirty="0" smtClean="0"/>
-              <a:t>Over-fitting </a:t>
-            </a:r>
-          </a:p>
-          <a:p>
-            <a:r>
-              <a:rPr lang="en-US" dirty="0" smtClean="0"/>
-              <a:t>Less accurate </a:t>
-            </a:r>
-          </a:p>
-          <a:p>
-            <a:r>
-              <a:rPr lang="en-US" dirty="0" smtClean="0"/>
-              <a:t>Solution – Use random forest algorithm </a:t>
-            </a:r>
+              <a:t>Generate understandable rules</a:t>
+            </a:r>
+          </a:p>
+          <a:p>
+            <a:r>
+              <a:rPr lang="en-US" dirty="0" smtClean="0"/>
+              <a:t>Interpretable AI</a:t>
+            </a:r>
+          </a:p>
+          <a:p>
+            <a:r>
+              <a:rPr lang="en-IN" dirty="0" smtClean="0"/>
+              <a:t>Classification with less computation</a:t>
+            </a:r>
+          </a:p>
+          <a:p>
+            <a:r>
+              <a:rPr lang="en-IN" dirty="0" smtClean="0"/>
+              <a:t>Handle continuous and categorical variables</a:t>
+            </a:r>
+          </a:p>
+          <a:p>
+            <a:r>
+              <a:rPr lang="en-IN" dirty="0" smtClean="0"/>
+              <a:t>Indicate feature importance</a:t>
+            </a:r>
+            <a:endParaRPr lang="en-US" dirty="0" smtClean="0"/>
           </a:p>
           <a:p>
             <a:endParaRPr lang="en-US" dirty="0"/>
@@ -3899,6 +3934,104 @@
             <a:spLocks noGrp="1"/>
           </p:cNvSpPr>
           <p:nvPr>
+            <p:ph type="title"/>
+          </p:nvPr>
+        </p:nvSpPr>
+        <p:spPr/>
+        <p:txBody>
+          <a:bodyPr/>
+          <a:lstStyle/>
+          <a:p>
+            <a:r>
+              <a:rPr lang="en-US" dirty="0" smtClean="0"/>
+              <a:t>Disadvantages</a:t>
+            </a:r>
+            <a:endParaRPr lang="en-US" dirty="0"/>
+          </a:p>
+        </p:txBody>
+      </p:sp>
+      <p:sp>
+        <p:nvSpPr>
+          <p:cNvPr id="4" name="Content Placeholder 3"/>
+          <p:cNvSpPr>
+            <a:spLocks noGrp="1"/>
+          </p:cNvSpPr>
+          <p:nvPr>
+            <p:ph idx="1"/>
+          </p:nvPr>
+        </p:nvSpPr>
+        <p:spPr/>
+        <p:txBody>
+          <a:bodyPr/>
+          <a:lstStyle/>
+          <a:p>
+            <a:r>
+              <a:rPr lang="en-US" dirty="0" smtClean="0"/>
+              <a:t>Less appropriate for regression task</a:t>
+            </a:r>
+          </a:p>
+          <a:p>
+            <a:r>
+              <a:rPr lang="en-US" dirty="0" smtClean="0"/>
+              <a:t>Over-fitting </a:t>
+            </a:r>
+          </a:p>
+          <a:p>
+            <a:r>
+              <a:rPr lang="en-US" dirty="0" smtClean="0"/>
+              <a:t>Less accurate </a:t>
+            </a:r>
+          </a:p>
+          <a:p>
+            <a:r>
+              <a:rPr lang="en-US" dirty="0" smtClean="0"/>
+              <a:t>Solution – Use random forest algorithm </a:t>
+            </a:r>
+          </a:p>
+          <a:p>
+            <a:endParaRPr lang="en-US" dirty="0"/>
+          </a:p>
+        </p:txBody>
+      </p:sp>
+    </p:spTree>
+  </p:cSld>
+  <p:clrMapOvr>
+    <a:masterClrMapping/>
+  </p:clrMapOvr>
+  <p:timing>
+    <p:tnLst>
+      <p:par>
+        <p:cTn id="1" dur="indefinite" restart="never" nodeType="tmRoot"/>
+      </p:par>
+    </p:tnLst>
+  </p:timing>
+</p:sld>
+</file>
+
+<file path=ppt/slides/slide14.xml><?xml version="1.0" encoding="utf-8"?>
+<p:sld xmlns:a="http://schemas.openxmlformats.org/drawingml/2006/main" xmlns:r="http://schemas.openxmlformats.org/officeDocument/2006/relationships" xmlns:p="http://schemas.openxmlformats.org/presentationml/2006/main">
+  <p:cSld>
+    <p:spTree>
+      <p:nvGrpSpPr>
+        <p:cNvPr id="1" name=""/>
+        <p:cNvGrpSpPr/>
+        <p:nvPr/>
+      </p:nvGrpSpPr>
+      <p:grpSpPr>
+        <a:xfrm>
+          <a:off x="0" y="0"/>
+          <a:ext cx="0" cy="0"/>
+          <a:chOff x="0" y="0"/>
+          <a:chExt cx="0" cy="0"/>
+        </a:xfrm>
+      </p:grpSpPr>
+      <p:sp>
+        <p:nvSpPr>
+          <p:cNvPr id="2" name="Title 1"/>
+          <p:cNvSpPr>
+            <a:spLocks noGrp="1"/>
+          </p:cNvSpPr>
+          <p:nvPr>
             <p:ph type="ctrTitle"/>
           </p:nvPr>
         </p:nvSpPr>
@@ -4967,37 +5100,34 @@
           <a:p>
             <a:r>
               <a:rPr lang="en-US" dirty="0" smtClean="0"/>
-              <a:t>Measure of information contained in a state</a:t>
-            </a:r>
-          </a:p>
-          <a:p>
-            <a:r>
-              <a:rPr lang="en-US" dirty="0" smtClean="0"/>
-              <a:t>High entropy – High uncertainty – More info</a:t>
+              <a:t>Measure of information </a:t>
+            </a:r>
+            <a:r>
+              <a:rPr lang="en-US" dirty="0" smtClean="0"/>
+              <a:t>contained</a:t>
+            </a:r>
+            <a:endParaRPr lang="en-US" dirty="0" smtClean="0"/>
+          </a:p>
+          <a:p>
+            <a:endParaRPr lang="en-US" dirty="0" smtClean="0"/>
+          </a:p>
+          <a:p>
+            <a:endParaRPr lang="en-US" dirty="0" smtClean="0"/>
+          </a:p>
+          <a:p>
+            <a:r>
+              <a:rPr lang="en-US" dirty="0" smtClean="0"/>
+              <a:t>High </a:t>
+            </a:r>
+            <a:r>
+              <a:rPr lang="en-US" dirty="0" smtClean="0"/>
+              <a:t>entropy – High uncertainty – More info</a:t>
             </a:r>
           </a:p>
           <a:p>
             <a:r>
               <a:rPr lang="en-US" dirty="0" smtClean="0"/>
               <a:t>Less entropy – Less uncertainty – Less info</a:t>
-            </a:r>
-          </a:p>
-          <a:p>
-            <a:r>
-              <a:rPr lang="en-US" dirty="0" smtClean="0"/>
-              <a:t>Root node – Highest entropy – 1 </a:t>
-            </a:r>
-          </a:p>
-          <a:p>
-            <a:r>
-              <a:rPr lang="en-US" dirty="0" smtClean="0"/>
-              <a:t>Leaf node – Low entropy</a:t>
-            </a:r>
-          </a:p>
-          <a:p>
-            <a:r>
-              <a:rPr lang="en-US" dirty="0" smtClean="0"/>
-              <a:t>Pure node – Lowest entropy – 0 </a:t>
             </a:r>
           </a:p>
           <a:p>
@@ -5017,7 +5147,7 @@
           <p:nvPr/>
         </p:nvGraphicFramePr>
         <p:xfrm>
-          <a:off x="2752725" y="5334000"/>
+          <a:off x="2752725" y="2286000"/>
           <a:ext cx="3419475" cy="990600"/>
         </p:xfrm>
         <a:graphic>
@@ -5077,7 +5207,7 @@
           <a:p>
             <a:r>
               <a:rPr lang="en-US" dirty="0" smtClean="0"/>
-              <a:t>Information Gain</a:t>
+              <a:t>Entropy</a:t>
             </a:r>
             <a:endParaRPr lang="en-US" dirty="0"/>
           </a:p>
@@ -5102,64 +5232,33 @@
           <a:p>
             <a:r>
               <a:rPr lang="en-US" dirty="0" smtClean="0"/>
-              <a:t>Maximize information gain</a:t>
-            </a:r>
-          </a:p>
-          <a:p>
-            <a:r>
-              <a:rPr lang="en-US" dirty="0" smtClean="0"/>
-              <a:t>Information gain</a:t>
-            </a:r>
-          </a:p>
-          <a:p>
-            <a:r>
-              <a:rPr lang="en-US" dirty="0" smtClean="0"/>
-              <a:t>Entropy</a:t>
-            </a:r>
-          </a:p>
-          <a:p>
-            <a:r>
-              <a:rPr lang="en-US" dirty="0" smtClean="0"/>
-              <a:t>Parent entropy</a:t>
-            </a:r>
-          </a:p>
-          <a:p>
-            <a:r>
-              <a:rPr lang="en-US" dirty="0" smtClean="0"/>
-              <a:t>Weighted child entropy</a:t>
-            </a:r>
-          </a:p>
-          <a:p>
-            <a:r>
-              <a:rPr lang="en-US" dirty="0" smtClean="0"/>
-              <a:t>Weight – Relative size</a:t>
-            </a:r>
+              <a:t>Root </a:t>
+            </a:r>
+            <a:r>
+              <a:rPr lang="en-US" dirty="0" smtClean="0"/>
+              <a:t>node – Highest entropy – 1 </a:t>
+            </a:r>
+          </a:p>
+          <a:p>
+            <a:r>
+              <a:rPr lang="en-US" dirty="0" smtClean="0"/>
+              <a:t>Leaf node – Low entropy</a:t>
+            </a:r>
+          </a:p>
+          <a:p>
+            <a:r>
+              <a:rPr lang="en-US" dirty="0" smtClean="0"/>
+              <a:t>Pure node – Lowest entropy – 0 </a:t>
+            </a:r>
+          </a:p>
+          <a:p>
+            <a:endParaRPr lang="en-US" dirty="0" smtClean="0"/>
           </a:p>
           <a:p>
             <a:endParaRPr lang="en-US" dirty="0"/>
           </a:p>
         </p:txBody>
       </p:sp>
-      <p:graphicFrame>
-        <p:nvGraphicFramePr>
-          <p:cNvPr id="7" name="Object 6"/>
-          <p:cNvGraphicFramePr>
-            <a:graphicFrameLocks noChangeAspect="1"/>
-          </p:cNvGraphicFramePr>
-          <p:nvPr/>
-        </p:nvGraphicFramePr>
-        <p:xfrm>
-          <a:off x="5181600" y="3302000"/>
-          <a:ext cx="3741738" cy="3403600"/>
-        </p:xfrm>
-        <a:graphic>
-          <a:graphicData uri="http://schemas.openxmlformats.org/presentationml/2006/ole">
-            <p:oleObj spid="_x0000_s24578" name="Equation" r:id="rId3" imgW="2209680" imgH="2006280" progId="Equation.3">
-              <p:embed/>
-            </p:oleObj>
-          </a:graphicData>
-        </a:graphic>
-      </p:graphicFrame>
     </p:spTree>
   </p:cSld>
   <p:clrMapOvr>

--- a/MachineLearning/DecisionTree/DecisionTree.pptx
+++ b/MachineLearning/DecisionTree/DecisionTree.pptx
@@ -5,23 +5,24 @@
     <p:sldMasterId id="2147483648" r:id="rId1"/>
   </p:sldMasterIdLst>
   <p:notesMasterIdLst>
-    <p:notesMasterId r:id="rId16"/>
+    <p:notesMasterId r:id="rId17"/>
   </p:notesMasterIdLst>
   <p:sldIdLst>
     <p:sldId id="256" r:id="rId2"/>
     <p:sldId id="268" r:id="rId3"/>
     <p:sldId id="270" r:id="rId4"/>
     <p:sldId id="272" r:id="rId5"/>
-    <p:sldId id="276" r:id="rId6"/>
-    <p:sldId id="277" r:id="rId7"/>
-    <p:sldId id="278" r:id="rId8"/>
-    <p:sldId id="279" r:id="rId9"/>
-    <p:sldId id="282" r:id="rId10"/>
-    <p:sldId id="280" r:id="rId11"/>
-    <p:sldId id="281" r:id="rId12"/>
-    <p:sldId id="271" r:id="rId13"/>
-    <p:sldId id="273" r:id="rId14"/>
-    <p:sldId id="269" r:id="rId15"/>
+    <p:sldId id="283" r:id="rId6"/>
+    <p:sldId id="276" r:id="rId7"/>
+    <p:sldId id="277" r:id="rId8"/>
+    <p:sldId id="278" r:id="rId9"/>
+    <p:sldId id="279" r:id="rId10"/>
+    <p:sldId id="282" r:id="rId11"/>
+    <p:sldId id="280" r:id="rId12"/>
+    <p:sldId id="281" r:id="rId13"/>
+    <p:sldId id="271" r:id="rId14"/>
+    <p:sldId id="273" r:id="rId15"/>
+    <p:sldId id="269" r:id="rId16"/>
   </p:sldIdLst>
   <p:sldSz cx="9144000" cy="6858000" type="screen4x3"/>
   <p:notesSz cx="6858000" cy="9144000"/>
@@ -3538,6 +3539,107 @@
           <a:p>
             <a:r>
               <a:rPr lang="en-US" dirty="0" smtClean="0"/>
+              <a:t>Entropy</a:t>
+            </a:r>
+            <a:endParaRPr lang="en-US" dirty="0"/>
+          </a:p>
+        </p:txBody>
+      </p:sp>
+      <p:sp>
+        <p:nvSpPr>
+          <p:cNvPr id="4" name="Content Placeholder 3"/>
+          <p:cNvSpPr>
+            <a:spLocks noGrp="1"/>
+          </p:cNvSpPr>
+          <p:nvPr>
+            <p:ph idx="1"/>
+          </p:nvPr>
+        </p:nvSpPr>
+        <p:spPr/>
+        <p:txBody>
+          <a:bodyPr>
+            <a:normAutofit/>
+          </a:bodyPr>
+          <a:lstStyle/>
+          <a:p>
+            <a:r>
+              <a:rPr lang="en-US" dirty="0" smtClean="0"/>
+              <a:t>Root </a:t>
+            </a:r>
+            <a:r>
+              <a:rPr lang="en-US" dirty="0" smtClean="0"/>
+              <a:t>node – Highest entropy – 1 </a:t>
+            </a:r>
+          </a:p>
+          <a:p>
+            <a:r>
+              <a:rPr lang="en-US" dirty="0" smtClean="0"/>
+              <a:t>Leaf node – Low entropy</a:t>
+            </a:r>
+          </a:p>
+          <a:p>
+            <a:r>
+              <a:rPr lang="en-US" dirty="0" smtClean="0"/>
+              <a:t>Pure node – Lowest entropy – 0 </a:t>
+            </a:r>
+          </a:p>
+          <a:p>
+            <a:endParaRPr lang="en-US" dirty="0" smtClean="0"/>
+          </a:p>
+          <a:p>
+            <a:endParaRPr lang="en-US" dirty="0"/>
+          </a:p>
+        </p:txBody>
+      </p:sp>
+    </p:spTree>
+  </p:cSld>
+  <p:clrMapOvr>
+    <a:masterClrMapping/>
+  </p:clrMapOvr>
+  <p:timing>
+    <p:tnLst>
+      <p:par>
+        <p:cTn id="1" dur="indefinite" restart="never" nodeType="tmRoot"/>
+      </p:par>
+    </p:tnLst>
+  </p:timing>
+</p:sld>
+</file>
+
+<file path=ppt/slides/slide11.xml><?xml version="1.0" encoding="utf-8"?>
+<p:sld xmlns:a="http://schemas.openxmlformats.org/drawingml/2006/main" xmlns:r="http://schemas.openxmlformats.org/officeDocument/2006/relationships" xmlns:p="http://schemas.openxmlformats.org/presentationml/2006/main">
+  <p:cSld>
+    <p:spTree>
+      <p:nvGrpSpPr>
+        <p:cNvPr id="1" name=""/>
+        <p:cNvGrpSpPr/>
+        <p:nvPr/>
+      </p:nvGrpSpPr>
+      <p:grpSpPr>
+        <a:xfrm>
+          <a:off x="0" y="0"/>
+          <a:ext cx="0" cy="0"/>
+          <a:chOff x="0" y="0"/>
+          <a:chExt cx="0" cy="0"/>
+        </a:xfrm>
+      </p:grpSpPr>
+      <p:sp>
+        <p:nvSpPr>
+          <p:cNvPr id="2" name="Title 1"/>
+          <p:cNvSpPr>
+            <a:spLocks noGrp="1"/>
+          </p:cNvSpPr>
+          <p:nvPr>
+            <p:ph type="title"/>
+          </p:nvPr>
+        </p:nvSpPr>
+        <p:spPr/>
+        <p:txBody>
+          <a:bodyPr/>
+          <a:lstStyle/>
+          <a:p>
+            <a:r>
+              <a:rPr lang="en-US" dirty="0" smtClean="0"/>
               <a:t>Information Gain</a:t>
             </a:r>
             <a:endParaRPr lang="en-US" dirty="0"/>
@@ -3636,7 +3738,7 @@
 </p:sld>
 </file>
 
-<file path=ppt/slides/slide11.xml><?xml version="1.0" encoding="utf-8"?>
+<file path=ppt/slides/slide12.xml><?xml version="1.0" encoding="utf-8"?>
 <p:sld xmlns:a="http://schemas.openxmlformats.org/drawingml/2006/main" xmlns:r="http://schemas.openxmlformats.org/officeDocument/2006/relationships" xmlns:p="http://schemas.openxmlformats.org/presentationml/2006/main">
   <p:cSld>
     <p:spTree>
@@ -3805,111 +3907,6 @@
 </p:sld>
 </file>
 
-<file path=ppt/slides/slide12.xml><?xml version="1.0" encoding="utf-8"?>
-<p:sld xmlns:a="http://schemas.openxmlformats.org/drawingml/2006/main" xmlns:r="http://schemas.openxmlformats.org/officeDocument/2006/relationships" xmlns:p="http://schemas.openxmlformats.org/presentationml/2006/main">
-  <p:cSld>
-    <p:spTree>
-      <p:nvGrpSpPr>
-        <p:cNvPr id="1" name=""/>
-        <p:cNvGrpSpPr/>
-        <p:nvPr/>
-      </p:nvGrpSpPr>
-      <p:grpSpPr>
-        <a:xfrm>
-          <a:off x="0" y="0"/>
-          <a:ext cx="0" cy="0"/>
-          <a:chOff x="0" y="0"/>
-          <a:chExt cx="0" cy="0"/>
-        </a:xfrm>
-      </p:grpSpPr>
-      <p:sp>
-        <p:nvSpPr>
-          <p:cNvPr id="2" name="Title 1"/>
-          <p:cNvSpPr>
-            <a:spLocks noGrp="1"/>
-          </p:cNvSpPr>
-          <p:nvPr>
-            <p:ph type="title"/>
-          </p:nvPr>
-        </p:nvSpPr>
-        <p:spPr/>
-        <p:txBody>
-          <a:bodyPr/>
-          <a:lstStyle/>
-          <a:p>
-            <a:r>
-              <a:rPr lang="en-US" dirty="0" smtClean="0"/>
-              <a:t>Advantages</a:t>
-            </a:r>
-            <a:endParaRPr lang="en-US" dirty="0"/>
-          </a:p>
-        </p:txBody>
-      </p:sp>
-      <p:sp>
-        <p:nvSpPr>
-          <p:cNvPr id="4" name="Content Placeholder 3"/>
-          <p:cNvSpPr>
-            <a:spLocks noGrp="1"/>
-          </p:cNvSpPr>
-          <p:nvPr>
-            <p:ph idx="1"/>
-          </p:nvPr>
-        </p:nvSpPr>
-        <p:spPr/>
-        <p:txBody>
-          <a:bodyPr/>
-          <a:lstStyle/>
-          <a:p>
-            <a:r>
-              <a:rPr lang="en-US" dirty="0" smtClean="0"/>
-              <a:t>Generate understandable rules</a:t>
-            </a:r>
-          </a:p>
-          <a:p>
-            <a:r>
-              <a:rPr lang="en-US" dirty="0" smtClean="0"/>
-              <a:t>Interpretable AI</a:t>
-            </a:r>
-          </a:p>
-          <a:p>
-            <a:r>
-              <a:rPr lang="en-IN" dirty="0" smtClean="0"/>
-              <a:t>Classification with less computation</a:t>
-            </a:r>
-          </a:p>
-          <a:p>
-            <a:r>
-              <a:rPr lang="en-IN" dirty="0" smtClean="0"/>
-              <a:t>Handle continuous and categorical variables</a:t>
-            </a:r>
-          </a:p>
-          <a:p>
-            <a:r>
-              <a:rPr lang="en-IN" dirty="0" smtClean="0"/>
-              <a:t>Indicate feature importance</a:t>
-            </a:r>
-            <a:endParaRPr lang="en-US" dirty="0" smtClean="0"/>
-          </a:p>
-          <a:p>
-            <a:endParaRPr lang="en-US" dirty="0"/>
-          </a:p>
-        </p:txBody>
-      </p:sp>
-    </p:spTree>
-  </p:cSld>
-  <p:clrMapOvr>
-    <a:masterClrMapping/>
-  </p:clrMapOvr>
-  <p:timing>
-    <p:tnLst>
-      <p:par>
-        <p:cTn id="1" dur="indefinite" restart="never" nodeType="tmRoot"/>
-      </p:par>
-    </p:tnLst>
-  </p:timing>
-</p:sld>
-</file>
-
 <file path=ppt/slides/slide13.xml><?xml version="1.0" encoding="utf-8"?>
 <p:sld xmlns:a="http://schemas.openxmlformats.org/drawingml/2006/main" xmlns:r="http://schemas.openxmlformats.org/officeDocument/2006/relationships" xmlns:p="http://schemas.openxmlformats.org/presentationml/2006/main">
   <p:cSld>
@@ -3944,7 +3941,7 @@
           <a:p>
             <a:r>
               <a:rPr lang="en-US" dirty="0" smtClean="0"/>
-              <a:t>Disadvantages</a:t>
+              <a:t>Advantages</a:t>
             </a:r>
             <a:endParaRPr lang="en-US" dirty="0"/>
           </a:p>
@@ -3967,26 +3964,33 @@
           <a:p>
             <a:r>
               <a:rPr lang="en-US" dirty="0" smtClean="0"/>
-              <a:t>Less appropriate for regression task</a:t>
-            </a:r>
-          </a:p>
-          <a:p>
-            <a:r>
-              <a:rPr lang="en-US" dirty="0" smtClean="0"/>
-              <a:t>Over-fitting </a:t>
-            </a:r>
-          </a:p>
-          <a:p>
-            <a:r>
-              <a:rPr lang="en-US" dirty="0" smtClean="0"/>
-              <a:t>Less accurate </a:t>
-            </a:r>
-          </a:p>
-          <a:p>
-            <a:r>
-              <a:rPr lang="en-US" dirty="0" smtClean="0"/>
-              <a:t>Solution – Use random forest algorithm </a:t>
-            </a:r>
+              <a:t>Generate understandable rules</a:t>
+            </a:r>
+          </a:p>
+          <a:p>
+            <a:r>
+              <a:rPr lang="en-US" dirty="0" smtClean="0"/>
+              <a:t>Interpretable AI</a:t>
+            </a:r>
+          </a:p>
+          <a:p>
+            <a:r>
+              <a:rPr lang="en-IN" dirty="0" smtClean="0"/>
+              <a:t>Classification with less computation</a:t>
+            </a:r>
+          </a:p>
+          <a:p>
+            <a:r>
+              <a:rPr lang="en-IN" dirty="0" smtClean="0"/>
+              <a:t>Handle continuous and categorical variables</a:t>
+            </a:r>
+          </a:p>
+          <a:p>
+            <a:r>
+              <a:rPr lang="en-IN" dirty="0" smtClean="0"/>
+              <a:t>Indicate feature importance</a:t>
+            </a:r>
+            <a:endParaRPr lang="en-US" dirty="0" smtClean="0"/>
           </a:p>
           <a:p>
             <a:endParaRPr lang="en-US" dirty="0"/>
@@ -4032,6 +4036,104 @@
             <a:spLocks noGrp="1"/>
           </p:cNvSpPr>
           <p:nvPr>
+            <p:ph type="title"/>
+          </p:nvPr>
+        </p:nvSpPr>
+        <p:spPr/>
+        <p:txBody>
+          <a:bodyPr/>
+          <a:lstStyle/>
+          <a:p>
+            <a:r>
+              <a:rPr lang="en-US" dirty="0" smtClean="0"/>
+              <a:t>Disadvantages</a:t>
+            </a:r>
+            <a:endParaRPr lang="en-US" dirty="0"/>
+          </a:p>
+        </p:txBody>
+      </p:sp>
+      <p:sp>
+        <p:nvSpPr>
+          <p:cNvPr id="4" name="Content Placeholder 3"/>
+          <p:cNvSpPr>
+            <a:spLocks noGrp="1"/>
+          </p:cNvSpPr>
+          <p:nvPr>
+            <p:ph idx="1"/>
+          </p:nvPr>
+        </p:nvSpPr>
+        <p:spPr/>
+        <p:txBody>
+          <a:bodyPr/>
+          <a:lstStyle/>
+          <a:p>
+            <a:r>
+              <a:rPr lang="en-US" dirty="0" smtClean="0"/>
+              <a:t>Less appropriate for regression task</a:t>
+            </a:r>
+          </a:p>
+          <a:p>
+            <a:r>
+              <a:rPr lang="en-US" dirty="0" smtClean="0"/>
+              <a:t>Over-fitting </a:t>
+            </a:r>
+          </a:p>
+          <a:p>
+            <a:r>
+              <a:rPr lang="en-US" dirty="0" smtClean="0"/>
+              <a:t>Less accurate </a:t>
+            </a:r>
+          </a:p>
+          <a:p>
+            <a:r>
+              <a:rPr lang="en-US" dirty="0" smtClean="0"/>
+              <a:t>Solution – Use random forest algorithm </a:t>
+            </a:r>
+          </a:p>
+          <a:p>
+            <a:endParaRPr lang="en-US" dirty="0"/>
+          </a:p>
+        </p:txBody>
+      </p:sp>
+    </p:spTree>
+  </p:cSld>
+  <p:clrMapOvr>
+    <a:masterClrMapping/>
+  </p:clrMapOvr>
+  <p:timing>
+    <p:tnLst>
+      <p:par>
+        <p:cTn id="1" dur="indefinite" restart="never" nodeType="tmRoot"/>
+      </p:par>
+    </p:tnLst>
+  </p:timing>
+</p:sld>
+</file>
+
+<file path=ppt/slides/slide15.xml><?xml version="1.0" encoding="utf-8"?>
+<p:sld xmlns:a="http://schemas.openxmlformats.org/drawingml/2006/main" xmlns:r="http://schemas.openxmlformats.org/officeDocument/2006/relationships" xmlns:p="http://schemas.openxmlformats.org/presentationml/2006/main">
+  <p:cSld>
+    <p:spTree>
+      <p:nvGrpSpPr>
+        <p:cNvPr id="1" name=""/>
+        <p:cNvGrpSpPr/>
+        <p:nvPr/>
+      </p:nvGrpSpPr>
+      <p:grpSpPr>
+        <a:xfrm>
+          <a:off x="0" y="0"/>
+          <a:ext cx="0" cy="0"/>
+          <a:chOff x="0" y="0"/>
+          <a:chExt cx="0" cy="0"/>
+        </a:xfrm>
+      </p:grpSpPr>
+      <p:sp>
+        <p:nvSpPr>
+          <p:cNvPr id="2" name="Title 1"/>
+          <p:cNvSpPr>
+            <a:spLocks noGrp="1"/>
+          </p:cNvSpPr>
+          <p:nvPr>
             <p:ph type="ctrTitle"/>
           </p:nvPr>
         </p:nvSpPr>
@@ -4726,7 +4828,11 @@
           <a:p>
             <a:r>
               <a:rPr lang="en-US" dirty="0" smtClean="0"/>
-              <a:t>Greedy algorithm</a:t>
+              <a:t>Greedy </a:t>
+            </a:r>
+            <a:r>
+              <a:rPr lang="en-US" dirty="0" smtClean="0"/>
+              <a:t>algorithm</a:t>
             </a:r>
           </a:p>
           <a:p>
@@ -4809,7 +4915,11 @@
           <a:p>
             <a:r>
               <a:rPr lang="en-US" dirty="0" smtClean="0"/>
-              <a:t>Decision Tree Algorithm</a:t>
+              <a:t>Decision </a:t>
+            </a:r>
+            <a:r>
+              <a:rPr lang="en-US" dirty="0" smtClean="0"/>
+              <a:t>Tree Types</a:t>
             </a:r>
             <a:endParaRPr lang="en-US" dirty="0"/>
           </a:p>
@@ -4817,7 +4927,7 @@
       </p:sp>
       <p:sp>
         <p:nvSpPr>
-          <p:cNvPr id="3" name="Content Placeholder 2"/>
+          <p:cNvPr id="4" name="Content Placeholder 3"/>
           <p:cNvSpPr>
             <a:spLocks noGrp="1"/>
           </p:cNvSpPr>
@@ -4832,68 +4942,23 @@
           </a:bodyPr>
           <a:lstStyle/>
           <a:p>
-            <a:pPr marL="514350" indent="-514350">
-              <a:buFont typeface="+mj-lt"/>
-              <a:buAutoNum type="arabicPeriod"/>
-            </a:pPr>
-            <a:r>
-              <a:rPr lang="en-IN" dirty="0" smtClean="0"/>
-              <a:t>Create root node with complete dataset</a:t>
-            </a:r>
-          </a:p>
-          <a:p>
-            <a:pPr marL="514350" indent="-514350">
-              <a:buFont typeface="+mj-lt"/>
-              <a:buAutoNum type="arabicPeriod"/>
-            </a:pPr>
-            <a:r>
-              <a:rPr lang="en-IN" dirty="0" smtClean="0"/>
-              <a:t>Find best attribute and value in dataset</a:t>
-            </a:r>
-          </a:p>
-          <a:p>
-            <a:pPr marL="514350" indent="-514350">
-              <a:buFont typeface="+mj-lt"/>
-              <a:buAutoNum type="arabicPeriod"/>
-            </a:pPr>
-            <a:r>
-              <a:rPr lang="en-IN" dirty="0" smtClean="0"/>
-              <a:t>Generate decision node</a:t>
-            </a:r>
-          </a:p>
-          <a:p>
-            <a:pPr marL="514350" indent="-514350">
-              <a:buFont typeface="+mj-lt"/>
-              <a:buAutoNum type="arabicPeriod"/>
-            </a:pPr>
-            <a:r>
-              <a:rPr lang="en-IN" dirty="0" smtClean="0"/>
-              <a:t>Divide current dataset into subsets</a:t>
-            </a:r>
-          </a:p>
-          <a:p>
-            <a:pPr marL="514350" indent="-514350">
-              <a:buFont typeface="+mj-lt"/>
-              <a:buAutoNum type="arabicPeriod"/>
-            </a:pPr>
-            <a:r>
-              <a:rPr lang="en-IN" dirty="0" smtClean="0"/>
-              <a:t>Repeat Steps 2 to 3 until </a:t>
-            </a:r>
-          </a:p>
-          <a:p>
-            <a:pPr marL="914400" lvl="1" indent="-514350"/>
-            <a:r>
-              <a:rPr lang="en-US" dirty="0" smtClean="0"/>
-              <a:t>All nodes are leaf nodes</a:t>
-            </a:r>
-          </a:p>
-          <a:p>
-            <a:pPr marL="914400" lvl="1" indent="-514350"/>
-            <a:r>
-              <a:rPr lang="en-US" dirty="0" smtClean="0"/>
-              <a:t>Further division is not possible</a:t>
-            </a:r>
+            <a:r>
+              <a:rPr lang="en-US" dirty="0" smtClean="0"/>
+              <a:t>Classification tree</a:t>
+            </a:r>
+          </a:p>
+          <a:p>
+            <a:r>
+              <a:rPr lang="en-US" dirty="0" smtClean="0"/>
+              <a:t>Regression tree</a:t>
+            </a:r>
+          </a:p>
+          <a:p>
+            <a:r>
+              <a:rPr lang="en-US" dirty="0" smtClean="0"/>
+              <a:t>Classification + Regression tree</a:t>
+            </a:r>
+            <a:endParaRPr lang="en-US" dirty="0" smtClean="0"/>
           </a:p>
         </p:txBody>
       </p:sp>
@@ -4946,11 +5011,11 @@
           <a:p>
             <a:r>
               <a:rPr lang="en-US" dirty="0" smtClean="0"/>
-              <a:t>Optimization </a:t>
-            </a:r>
-            <a:r>
-              <a:rPr lang="en-US" dirty="0" smtClean="0"/>
-              <a:t>Functions</a:t>
+              <a:t>Decision </a:t>
+            </a:r>
+            <a:r>
+              <a:rPr lang="en-US" dirty="0" smtClean="0"/>
+              <a:t>Tree Algorithm</a:t>
             </a:r>
             <a:endParaRPr lang="en-US" dirty="0"/>
           </a:p>
@@ -4958,7 +5023,7 @@
       </p:sp>
       <p:sp>
         <p:nvSpPr>
-          <p:cNvPr id="4" name="Content Placeholder 3"/>
+          <p:cNvPr id="3" name="Content Placeholder 2"/>
           <p:cNvSpPr>
             <a:spLocks noGrp="1"/>
           </p:cNvSpPr>
@@ -4973,56 +5038,68 @@
           </a:bodyPr>
           <a:lstStyle/>
           <a:p>
-            <a:r>
-              <a:rPr lang="en-US" dirty="0" smtClean="0"/>
-              <a:t>Entropy + Information </a:t>
-            </a:r>
-            <a:r>
-              <a:rPr lang="en-US" dirty="0" smtClean="0"/>
-              <a:t>gain</a:t>
-            </a:r>
-          </a:p>
-          <a:p>
-            <a:r>
-              <a:rPr lang="en-US" dirty="0" err="1" smtClean="0"/>
-              <a:t>Gini</a:t>
-            </a:r>
-            <a:r>
-              <a:rPr lang="en-US" dirty="0" smtClean="0"/>
-              <a:t> index or </a:t>
-            </a:r>
-            <a:r>
-              <a:rPr lang="en-US" dirty="0" err="1" smtClean="0"/>
-              <a:t>Gini</a:t>
-            </a:r>
-            <a:r>
-              <a:rPr lang="en-US" dirty="0" smtClean="0"/>
-              <a:t> impurity</a:t>
-            </a:r>
-          </a:p>
-          <a:p>
-            <a:r>
-              <a:rPr lang="en-US" dirty="0" smtClean="0"/>
-              <a:t>Gain Ratio</a:t>
-            </a:r>
-          </a:p>
-          <a:p>
-            <a:r>
-              <a:rPr lang="en-US" dirty="0" smtClean="0"/>
-              <a:t>Reduction in Variance</a:t>
-            </a:r>
-          </a:p>
-          <a:p>
-            <a:r>
-              <a:rPr lang="en-US" dirty="0" smtClean="0"/>
-              <a:t>Chi-Square</a:t>
-            </a:r>
-          </a:p>
-          <a:p>
-            <a:endParaRPr lang="en-US" dirty="0" smtClean="0"/>
-          </a:p>
-          <a:p>
-            <a:endParaRPr lang="en-US" dirty="0"/>
+            <a:pPr marL="514350" indent="-514350">
+              <a:buFont typeface="+mj-lt"/>
+              <a:buAutoNum type="arabicPeriod"/>
+            </a:pPr>
+            <a:r>
+              <a:rPr lang="en-IN" dirty="0" smtClean="0"/>
+              <a:t>Create root node with complete dataset</a:t>
+            </a:r>
+          </a:p>
+          <a:p>
+            <a:pPr marL="514350" indent="-514350">
+              <a:buFont typeface="+mj-lt"/>
+              <a:buAutoNum type="arabicPeriod"/>
+            </a:pPr>
+            <a:r>
+              <a:rPr lang="en-IN" dirty="0" smtClean="0"/>
+              <a:t>Find best attribute and value in dataset</a:t>
+            </a:r>
+          </a:p>
+          <a:p>
+            <a:pPr marL="514350" indent="-514350">
+              <a:buFont typeface="+mj-lt"/>
+              <a:buAutoNum type="arabicPeriod"/>
+            </a:pPr>
+            <a:r>
+              <a:rPr lang="en-IN" dirty="0" smtClean="0"/>
+              <a:t>Generate decision node</a:t>
+            </a:r>
+          </a:p>
+          <a:p>
+            <a:pPr marL="514350" indent="-514350">
+              <a:buFont typeface="+mj-lt"/>
+              <a:buAutoNum type="arabicPeriod"/>
+            </a:pPr>
+            <a:r>
+              <a:rPr lang="en-IN" dirty="0" smtClean="0"/>
+              <a:t>Divide current dataset into subsets</a:t>
+            </a:r>
+          </a:p>
+          <a:p>
+            <a:pPr marL="514350" indent="-514350">
+              <a:buFont typeface="+mj-lt"/>
+              <a:buAutoNum type="arabicPeriod"/>
+            </a:pPr>
+            <a:r>
+              <a:rPr lang="en-IN" dirty="0" smtClean="0"/>
+              <a:t>Repeat Steps 2 to 3 until </a:t>
+            </a:r>
+          </a:p>
+          <a:p>
+            <a:pPr marL="914400" lvl="1" indent="-514350"/>
+            <a:r>
+              <a:rPr lang="en-US" dirty="0" smtClean="0"/>
+              <a:t>All nodes are leaf nodes</a:t>
+            </a:r>
+          </a:p>
+          <a:p>
+            <a:pPr marL="914400" lvl="1" indent="-514350"/>
+            <a:r>
+              <a:rPr lang="en-US" dirty="0" smtClean="0"/>
+              <a:t>Further division is not possible</a:t>
+            </a:r>
           </a:p>
         </p:txBody>
       </p:sp>
@@ -5075,7 +5152,11 @@
           <a:p>
             <a:r>
               <a:rPr lang="en-US" dirty="0" smtClean="0"/>
-              <a:t>Entropy</a:t>
+              <a:t>Optimization </a:t>
+            </a:r>
+            <a:r>
+              <a:rPr lang="en-US" dirty="0" smtClean="0"/>
+              <a:t>Functions</a:t>
             </a:r>
             <a:endParaRPr lang="en-US" dirty="0"/>
           </a:p>
@@ -5100,64 +5181,57 @@
           <a:p>
             <a:r>
               <a:rPr lang="en-US" dirty="0" smtClean="0"/>
-              <a:t>Measure of information </a:t>
-            </a:r>
-            <a:r>
-              <a:rPr lang="en-US" dirty="0" smtClean="0"/>
-              <a:t>contained</a:t>
-            </a:r>
+              <a:t>Entropy + Information </a:t>
+            </a:r>
+            <a:r>
+              <a:rPr lang="en-US" dirty="0" smtClean="0"/>
+              <a:t>gain</a:t>
+            </a:r>
+          </a:p>
+          <a:p>
+            <a:r>
+              <a:rPr lang="en-US" dirty="0" err="1" smtClean="0"/>
+              <a:t>Gini</a:t>
+            </a:r>
+            <a:r>
+              <a:rPr lang="en-US" dirty="0" smtClean="0"/>
+              <a:t> index or </a:t>
+            </a:r>
+            <a:r>
+              <a:rPr lang="en-US" dirty="0" err="1" smtClean="0"/>
+              <a:t>Gini</a:t>
+            </a:r>
+            <a:r>
+              <a:rPr lang="en-US" dirty="0" smtClean="0"/>
+              <a:t> impurity</a:t>
+            </a:r>
+          </a:p>
+          <a:p>
+            <a:r>
+              <a:rPr lang="en-US" dirty="0" smtClean="0"/>
+              <a:t>Gain Ratio</a:t>
+            </a:r>
+          </a:p>
+          <a:p>
+            <a:r>
+              <a:rPr lang="en-US" dirty="0" smtClean="0"/>
+              <a:t>Reduction in Variance</a:t>
+            </a:r>
+          </a:p>
+          <a:p>
+            <a:r>
+              <a:rPr lang="en-US" dirty="0" smtClean="0"/>
+              <a:t>Chi-Square</a:t>
+            </a:r>
+          </a:p>
+          <a:p>
             <a:endParaRPr lang="en-US" dirty="0" smtClean="0"/>
           </a:p>
           <a:p>
-            <a:endParaRPr lang="en-US" dirty="0" smtClean="0"/>
-          </a:p>
-          <a:p>
-            <a:endParaRPr lang="en-US" dirty="0" smtClean="0"/>
-          </a:p>
-          <a:p>
-            <a:r>
-              <a:rPr lang="en-US" dirty="0" smtClean="0"/>
-              <a:t>High </a:t>
-            </a:r>
-            <a:r>
-              <a:rPr lang="en-US" dirty="0" smtClean="0"/>
-              <a:t>entropy – High uncertainty – More info</a:t>
-            </a:r>
-          </a:p>
-          <a:p>
-            <a:r>
-              <a:rPr lang="en-US" dirty="0" smtClean="0"/>
-              <a:t>Less entropy – Less uncertainty – Less info</a:t>
-            </a:r>
-          </a:p>
-          <a:p>
-            <a:endParaRPr lang="en-US" dirty="0" smtClean="0"/>
-          </a:p>
-          <a:p>
             <a:endParaRPr lang="en-US" dirty="0"/>
           </a:p>
         </p:txBody>
       </p:sp>
-      <p:graphicFrame>
-        <p:nvGraphicFramePr>
-          <p:cNvPr id="7" name="Object 6"/>
-          <p:cNvGraphicFramePr>
-            <a:graphicFrameLocks noChangeAspect="1"/>
-          </p:cNvGraphicFramePr>
-          <p:nvPr/>
-        </p:nvGraphicFramePr>
-        <p:xfrm>
-          <a:off x="2752725" y="2286000"/>
-          <a:ext cx="3419475" cy="990600"/>
-        </p:xfrm>
-        <a:graphic>
-          <a:graphicData uri="http://schemas.openxmlformats.org/presentationml/2006/ole">
-            <p:oleObj spid="_x0000_s23554" name="Equation" r:id="rId3" imgW="2019240" imgH="583920" progId="Equation.3">
-              <p:embed/>
-            </p:oleObj>
-          </a:graphicData>
-        </a:graphic>
-      </p:graphicFrame>
     </p:spTree>
   </p:cSld>
   <p:clrMapOvr>
@@ -5232,33 +5306,64 @@
           <a:p>
             <a:r>
               <a:rPr lang="en-US" dirty="0" smtClean="0"/>
-              <a:t>Root </a:t>
-            </a:r>
-            <a:r>
-              <a:rPr lang="en-US" dirty="0" smtClean="0"/>
-              <a:t>node – Highest entropy – 1 </a:t>
-            </a:r>
-          </a:p>
-          <a:p>
-            <a:r>
-              <a:rPr lang="en-US" dirty="0" smtClean="0"/>
-              <a:t>Leaf node – Low entropy</a:t>
-            </a:r>
-          </a:p>
-          <a:p>
-            <a:r>
-              <a:rPr lang="en-US" dirty="0" smtClean="0"/>
-              <a:t>Pure node – Lowest entropy – 0 </a:t>
-            </a:r>
-          </a:p>
-          <a:p>
+              <a:t>Measure of information </a:t>
+            </a:r>
+            <a:r>
+              <a:rPr lang="en-US" dirty="0" smtClean="0"/>
+              <a:t>contained</a:t>
+            </a:r>
             <a:endParaRPr lang="en-US" dirty="0" smtClean="0"/>
           </a:p>
           <a:p>
+            <a:endParaRPr lang="en-US" dirty="0" smtClean="0"/>
+          </a:p>
+          <a:p>
+            <a:endParaRPr lang="en-US" dirty="0" smtClean="0"/>
+          </a:p>
+          <a:p>
+            <a:r>
+              <a:rPr lang="en-US" dirty="0" smtClean="0"/>
+              <a:t>High </a:t>
+            </a:r>
+            <a:r>
+              <a:rPr lang="en-US" dirty="0" smtClean="0"/>
+              <a:t>entropy – High uncertainty – More info</a:t>
+            </a:r>
+          </a:p>
+          <a:p>
+            <a:r>
+              <a:rPr lang="en-US" dirty="0" smtClean="0"/>
+              <a:t>Less entropy – Less uncertainty – Less info</a:t>
+            </a:r>
+          </a:p>
+          <a:p>
+            <a:endParaRPr lang="en-US" dirty="0" smtClean="0"/>
+          </a:p>
+          <a:p>
             <a:endParaRPr lang="en-US" dirty="0"/>
           </a:p>
         </p:txBody>
       </p:sp>
+      <p:graphicFrame>
+        <p:nvGraphicFramePr>
+          <p:cNvPr id="7" name="Object 6"/>
+          <p:cNvGraphicFramePr>
+            <a:graphicFrameLocks noChangeAspect="1"/>
+          </p:cNvGraphicFramePr>
+          <p:nvPr/>
+        </p:nvGraphicFramePr>
+        <p:xfrm>
+          <a:off x="2752725" y="2286000"/>
+          <a:ext cx="3419475" cy="990600"/>
+        </p:xfrm>
+        <a:graphic>
+          <a:graphicData uri="http://schemas.openxmlformats.org/presentationml/2006/ole">
+            <p:oleObj spid="_x0000_s23554" name="Equation" r:id="rId3" imgW="2019240" imgH="583920" progId="Equation.3">
+              <p:embed/>
+            </p:oleObj>
+          </a:graphicData>
+        </a:graphic>
+      </p:graphicFrame>
     </p:spTree>
   </p:cSld>
   <p:clrMapOvr>
